--- a/Capstone-Project-Report.pptx
+++ b/Capstone-Project-Report.pptx
@@ -7615,17 +7615,42 @@
           </a:bodyPr>
           <a:lstStyle/>
           <a:p>
-            <a:pPr marL="0" lvl="0" indent="0">
+            <a:pPr marL="285750" indent="-285750">
               <a:spcAft>
                 <a:spcPts val="1600"/>
               </a:spcAft>
-              <a:buNone/>
             </a:pPr>
             <a:r>
               <a:rPr lang="en-US" dirty="0"/>
-              <a:t>Foursquare API for developers: https://developer.foursquare.com/</a:t>
-            </a:r>
-            <a:endParaRPr dirty="0"/>
+              <a:t>Foursquare API for developers: </a:t>
+            </a:r>
+            <a:r>
+              <a:rPr lang="en-US" dirty="0">
+                <a:hlinkClick r:id="rId3"/>
+              </a:rPr>
+              <a:t>https://developer.foursquare.com/</a:t>
+            </a:r>
+            <a:endParaRPr lang="en-US" dirty="0"/>
+          </a:p>
+          <a:p>
+            <a:pPr marL="285750" indent="-285750">
+              <a:spcAft>
+                <a:spcPts val="1600"/>
+              </a:spcAft>
+            </a:pPr>
+            <a:r>
+              <a:rPr lang="fr-FR" dirty="0"/>
+              <a:t>M</a:t>
+            </a:r>
+            <a:r>
+              <a:rPr lang="en-US" dirty="0" err="1"/>
+              <a:t>atplotlib</a:t>
+            </a:r>
+            <a:r>
+              <a:rPr lang="en-US"/>
+              <a:t> documentation: https://matplotlib.org/</a:t>
+            </a:r>
+            <a:endParaRPr lang="fr-FR" dirty="0"/>
           </a:p>
         </p:txBody>
       </p:sp>

--- a/Capstone-Project-Report.pptx
+++ b/Capstone-Project-Report.pptx
@@ -5,14 +5,17 @@
     <p:sldMasterId id="2147483659" r:id="rId1"/>
   </p:sldMasterIdLst>
   <p:notesMasterIdLst>
-    <p:notesMasterId r:id="rId7"/>
+    <p:notesMasterId r:id="rId10"/>
   </p:notesMasterIdLst>
   <p:sldIdLst>
     <p:sldId id="256" r:id="rId2"/>
     <p:sldId id="258" r:id="rId3"/>
     <p:sldId id="257" r:id="rId4"/>
     <p:sldId id="263" r:id="rId5"/>
-    <p:sldId id="262" r:id="rId6"/>
+    <p:sldId id="264" r:id="rId6"/>
+    <p:sldId id="265" r:id="rId7"/>
+    <p:sldId id="266" r:id="rId8"/>
+    <p:sldId id="262" r:id="rId9"/>
   </p:sldIdLst>
   <p:sldSz cx="9144000" cy="5143500" type="screen16x9"/>
   <p:notesSz cx="6858000" cy="9144000"/>
@@ -7479,7 +7482,7 @@
           <a:p>
             <a:r>
               <a:rPr lang="en-US" dirty="0"/>
-              <a:t>Return result like this:</a:t>
+              <a:t>Example of Data:</a:t>
             </a:r>
             <a:br>
               <a:rPr lang="en-US" dirty="0"/>
@@ -7536,6 +7539,743 @@
   <p:cSld>
     <p:spTree>
       <p:nvGrpSpPr>
+        <p:cNvPr id="1" name=""/>
+        <p:cNvGrpSpPr/>
+        <p:nvPr/>
+      </p:nvGrpSpPr>
+      <p:grpSpPr>
+        <a:xfrm>
+          <a:off x="0" y="0"/>
+          <a:ext cx="0" cy="0"/>
+          <a:chOff x="0" y="0"/>
+          <a:chExt cx="0" cy="0"/>
+        </a:xfrm>
+      </p:grpSpPr>
+      <p:sp>
+        <p:nvSpPr>
+          <p:cNvPr id="2" name="Title 1">
+            <a:extLst>
+              <a:ext uri="{FF2B5EF4-FFF2-40B4-BE49-F238E27FC236}">
+                <a16:creationId xmlns:a16="http://schemas.microsoft.com/office/drawing/2014/main" id="{EF5BF7D9-BBDA-48B7-8A3F-5C558551FD13}"/>
+              </a:ext>
+            </a:extLst>
+          </p:cNvPr>
+          <p:cNvSpPr>
+            <a:spLocks noGrp="1"/>
+          </p:cNvSpPr>
+          <p:nvPr>
+            <p:ph type="title"/>
+          </p:nvPr>
+        </p:nvSpPr>
+        <p:spPr>
+          <a:xfrm>
+            <a:off x="300411" y="140225"/>
+            <a:ext cx="8520600" cy="572700"/>
+          </a:xfrm>
+        </p:spPr>
+        <p:txBody>
+          <a:bodyPr/>
+          <a:lstStyle/>
+          <a:p>
+            <a:r>
+              <a:rPr lang="fr-FR" sz="2000" dirty="0" err="1"/>
+              <a:t>Map</a:t>
+            </a:r>
+            <a:r>
+              <a:rPr lang="fr-FR" sz="2000" dirty="0"/>
+              <a:t> of </a:t>
+            </a:r>
+            <a:r>
+              <a:rPr lang="fr-FR" sz="2000" dirty="0" err="1"/>
+              <a:t>coworinkng</a:t>
+            </a:r>
+            <a:r>
+              <a:rPr lang="fr-FR" sz="2000" dirty="0"/>
+              <a:t> </a:t>
+            </a:r>
+            <a:r>
+              <a:rPr lang="fr-FR" sz="2000" dirty="0" err="1"/>
+              <a:t>spaces</a:t>
+            </a:r>
+            <a:r>
+              <a:rPr lang="fr-FR" sz="2000" dirty="0"/>
+              <a:t> in </a:t>
+            </a:r>
+            <a:r>
+              <a:rPr lang="fr-FR" sz="2000" dirty="0" err="1"/>
+              <a:t>Tunisia</a:t>
+            </a:r>
+            <a:r>
+              <a:rPr lang="fr-FR" sz="2000" dirty="0"/>
+              <a:t> </a:t>
+            </a:r>
+            <a:r>
+              <a:rPr lang="fr-FR" sz="2000" dirty="0" err="1"/>
+              <a:t>based</a:t>
+            </a:r>
+            <a:r>
+              <a:rPr lang="fr-FR" sz="2000" dirty="0"/>
+              <a:t> on the data </a:t>
+            </a:r>
+            <a:r>
+              <a:rPr lang="fr-FR" sz="2000" dirty="0" err="1"/>
+              <a:t>we</a:t>
+            </a:r>
+            <a:r>
+              <a:rPr lang="fr-FR" sz="2000" dirty="0"/>
+              <a:t> have (</a:t>
+            </a:r>
+            <a:r>
+              <a:rPr lang="fr-FR" sz="2000" dirty="0" err="1"/>
+              <a:t>they</a:t>
+            </a:r>
+            <a:r>
+              <a:rPr lang="fr-FR" sz="2000" dirty="0"/>
+              <a:t> are </a:t>
+            </a:r>
+            <a:r>
+              <a:rPr lang="fr-FR" sz="2000" dirty="0" err="1"/>
+              <a:t>marked</a:t>
+            </a:r>
+            <a:r>
+              <a:rPr lang="fr-FR" sz="2000" dirty="0"/>
+              <a:t> </a:t>
+            </a:r>
+            <a:r>
+              <a:rPr lang="fr-FR" sz="2000" dirty="0" err="1"/>
+              <a:t>with</a:t>
+            </a:r>
+            <a:r>
+              <a:rPr lang="fr-FR" sz="2000" dirty="0"/>
+              <a:t> </a:t>
+            </a:r>
+            <a:r>
+              <a:rPr lang="fr-FR" sz="2000" dirty="0" err="1"/>
+              <a:t>blue</a:t>
+            </a:r>
+            <a:r>
+              <a:rPr lang="fr-FR" sz="2000" dirty="0"/>
+              <a:t> points)</a:t>
+            </a:r>
+            <a:endParaRPr lang="en-US" sz="2000" dirty="0"/>
+          </a:p>
+        </p:txBody>
+      </p:sp>
+      <p:pic>
+        <p:nvPicPr>
+          <p:cNvPr id="5" name="Picture 4">
+            <a:extLst>
+              <a:ext uri="{FF2B5EF4-FFF2-40B4-BE49-F238E27FC236}">
+                <a16:creationId xmlns:a16="http://schemas.microsoft.com/office/drawing/2014/main" id="{B6B065F7-3740-4984-8CA5-93E56A135285}"/>
+              </a:ext>
+            </a:extLst>
+          </p:cNvPr>
+          <p:cNvPicPr>
+            <a:picLocks noChangeAspect="1"/>
+          </p:cNvPicPr>
+          <p:nvPr/>
+        </p:nvPicPr>
+        <p:blipFill>
+          <a:blip r:embed="rId2"/>
+          <a:stretch>
+            <a:fillRect/>
+          </a:stretch>
+        </p:blipFill>
+        <p:spPr>
+          <a:xfrm>
+            <a:off x="372534" y="982133"/>
+            <a:ext cx="8410222" cy="3917245"/>
+          </a:xfrm>
+          <a:prstGeom prst="rect">
+            <a:avLst/>
+          </a:prstGeom>
+        </p:spPr>
+      </p:pic>
+    </p:spTree>
+    <p:extLst>
+      <p:ext uri="{BB962C8B-B14F-4D97-AF65-F5344CB8AC3E}">
+        <p14:creationId xmlns:p14="http://schemas.microsoft.com/office/powerpoint/2010/main" val="1846344693"/>
+      </p:ext>
+    </p:extLst>
+  </p:cSld>
+  <p:clrMapOvr>
+    <a:masterClrMapping/>
+  </p:clrMapOvr>
+</p:sld>
+</file>
+
+<file path=ppt/slides/slide6.xml><?xml version="1.0" encoding="utf-8"?>
+<p:sld xmlns:a="http://schemas.openxmlformats.org/drawingml/2006/main" xmlns:r="http://schemas.openxmlformats.org/officeDocument/2006/relationships" xmlns:p="http://schemas.openxmlformats.org/presentationml/2006/main">
+  <p:cSld>
+    <p:spTree>
+      <p:nvGrpSpPr>
+        <p:cNvPr id="1" name=""/>
+        <p:cNvGrpSpPr/>
+        <p:nvPr/>
+      </p:nvGrpSpPr>
+      <p:grpSpPr>
+        <a:xfrm>
+          <a:off x="0" y="0"/>
+          <a:ext cx="0" cy="0"/>
+          <a:chOff x="0" y="0"/>
+          <a:chExt cx="0" cy="0"/>
+        </a:xfrm>
+      </p:grpSpPr>
+      <p:sp>
+        <p:nvSpPr>
+          <p:cNvPr id="2" name="Title 1">
+            <a:extLst>
+              <a:ext uri="{FF2B5EF4-FFF2-40B4-BE49-F238E27FC236}">
+                <a16:creationId xmlns:a16="http://schemas.microsoft.com/office/drawing/2014/main" id="{5555078E-519A-446B-B703-63454AA2EC03}"/>
+              </a:ext>
+            </a:extLst>
+          </p:cNvPr>
+          <p:cNvSpPr>
+            <a:spLocks noGrp="1"/>
+          </p:cNvSpPr>
+          <p:nvPr>
+            <p:ph type="title"/>
+          </p:nvPr>
+        </p:nvSpPr>
+        <p:spPr>
+          <a:xfrm>
+            <a:off x="311700" y="264403"/>
+            <a:ext cx="8520600" cy="572700"/>
+          </a:xfrm>
+        </p:spPr>
+        <p:txBody>
+          <a:bodyPr/>
+          <a:lstStyle/>
+          <a:p>
+            <a:r>
+              <a:rPr lang="fr-FR" dirty="0"/>
+              <a:t>Distribution of data </a:t>
+            </a:r>
+            <a:r>
+              <a:rPr lang="fr-FR" dirty="0" err="1"/>
+              <a:t>between</a:t>
+            </a:r>
+            <a:r>
+              <a:rPr lang="fr-FR" dirty="0"/>
+              <a:t> gouvernements </a:t>
+            </a:r>
+            <a:endParaRPr lang="en-US" dirty="0"/>
+          </a:p>
+        </p:txBody>
+      </p:sp>
+      <p:sp>
+        <p:nvSpPr>
+          <p:cNvPr id="3" name="Text Placeholder 2">
+            <a:extLst>
+              <a:ext uri="{FF2B5EF4-FFF2-40B4-BE49-F238E27FC236}">
+                <a16:creationId xmlns:a16="http://schemas.microsoft.com/office/drawing/2014/main" id="{081F6C0C-C112-4790-9C09-D61E8C0950E2}"/>
+              </a:ext>
+            </a:extLst>
+          </p:cNvPr>
+          <p:cNvSpPr>
+            <a:spLocks noGrp="1"/>
+          </p:cNvSpPr>
+          <p:nvPr>
+            <p:ph type="body" idx="1"/>
+          </p:nvPr>
+        </p:nvSpPr>
+        <p:spPr>
+          <a:xfrm>
+            <a:off x="0" y="3544711"/>
+            <a:ext cx="8832299" cy="1264356"/>
+          </a:xfrm>
+        </p:spPr>
+        <p:txBody>
+          <a:bodyPr/>
+          <a:lstStyle/>
+          <a:p>
+            <a:r>
+              <a:rPr lang="fr-FR" sz="1400" dirty="0"/>
+              <a:t> </a:t>
+            </a:r>
+            <a:r>
+              <a:rPr lang="fr-FR" sz="1400" dirty="0" err="1"/>
+              <a:t>We</a:t>
+            </a:r>
+            <a:r>
+              <a:rPr lang="fr-FR" sz="1400" dirty="0"/>
+              <a:t> have </a:t>
+            </a:r>
+            <a:r>
+              <a:rPr lang="fr-FR" sz="1400" dirty="0" err="1"/>
+              <a:t>found</a:t>
+            </a:r>
+            <a:r>
+              <a:rPr lang="fr-FR" sz="1400" dirty="0"/>
+              <a:t> </a:t>
+            </a:r>
+            <a:r>
+              <a:rPr lang="fr-FR" sz="1400" dirty="0" err="1"/>
+              <a:t>only</a:t>
+            </a:r>
+            <a:r>
+              <a:rPr lang="fr-FR" sz="1400" dirty="0"/>
+              <a:t> 7 coworking </a:t>
+            </a:r>
+            <a:r>
+              <a:rPr lang="fr-FR" sz="1400" dirty="0" err="1"/>
+              <a:t>spaces</a:t>
+            </a:r>
+            <a:r>
+              <a:rPr lang="fr-FR" sz="1400" dirty="0"/>
+              <a:t> </a:t>
+            </a:r>
+            <a:r>
+              <a:rPr lang="fr-FR" sz="1400" dirty="0" err="1"/>
+              <a:t>distributed</a:t>
+            </a:r>
+            <a:r>
+              <a:rPr lang="fr-FR" sz="1400" dirty="0"/>
+              <a:t> by 1 (14%) in Ariana, 2 (29%) in Sousse  and 4 (57%) </a:t>
+            </a:r>
+            <a:r>
+              <a:rPr lang="fr-FR" sz="1400" dirty="0" err="1"/>
+              <a:t>based</a:t>
+            </a:r>
+            <a:r>
+              <a:rPr lang="fr-FR" sz="1400" dirty="0"/>
+              <a:t> in Tunis </a:t>
+            </a:r>
+            <a:r>
+              <a:rPr lang="fr-FR" sz="1400" dirty="0" err="1"/>
+              <a:t>gouvernment</a:t>
+            </a:r>
+            <a:r>
+              <a:rPr lang="fr-FR" sz="1400" dirty="0"/>
+              <a:t> .</a:t>
+            </a:r>
+            <a:endParaRPr lang="en-US" sz="1400" dirty="0"/>
+          </a:p>
+        </p:txBody>
+      </p:sp>
+      <p:pic>
+        <p:nvPicPr>
+          <p:cNvPr id="5" name="Picture 4">
+            <a:extLst>
+              <a:ext uri="{FF2B5EF4-FFF2-40B4-BE49-F238E27FC236}">
+                <a16:creationId xmlns:a16="http://schemas.microsoft.com/office/drawing/2014/main" id="{A060E271-5AB2-4728-9DF5-39FBE7CD96C8}"/>
+              </a:ext>
+            </a:extLst>
+          </p:cNvPr>
+          <p:cNvPicPr>
+            <a:picLocks noChangeAspect="1"/>
+          </p:cNvPicPr>
+          <p:nvPr/>
+        </p:nvPicPr>
+        <p:blipFill>
+          <a:blip r:embed="rId2"/>
+          <a:stretch>
+            <a:fillRect/>
+          </a:stretch>
+        </p:blipFill>
+        <p:spPr>
+          <a:xfrm>
+            <a:off x="112890" y="927976"/>
+            <a:ext cx="4275597" cy="2549002"/>
+          </a:xfrm>
+          <a:prstGeom prst="rect">
+            <a:avLst/>
+          </a:prstGeom>
+        </p:spPr>
+      </p:pic>
+      <p:pic>
+        <p:nvPicPr>
+          <p:cNvPr id="9" name="Picture 8">
+            <a:extLst>
+              <a:ext uri="{FF2B5EF4-FFF2-40B4-BE49-F238E27FC236}">
+                <a16:creationId xmlns:a16="http://schemas.microsoft.com/office/drawing/2014/main" id="{1D3655FC-0ED5-4F2F-BC6D-3DB2D3A43549}"/>
+              </a:ext>
+            </a:extLst>
+          </p:cNvPr>
+          <p:cNvPicPr>
+            <a:picLocks noChangeAspect="1"/>
+          </p:cNvPicPr>
+          <p:nvPr/>
+        </p:nvPicPr>
+        <p:blipFill>
+          <a:blip r:embed="rId3"/>
+          <a:stretch>
+            <a:fillRect/>
+          </a:stretch>
+        </p:blipFill>
+        <p:spPr>
+          <a:xfrm>
+            <a:off x="4350497" y="996508"/>
+            <a:ext cx="4439270" cy="1276528"/>
+          </a:xfrm>
+          <a:prstGeom prst="rect">
+            <a:avLst/>
+          </a:prstGeom>
+        </p:spPr>
+      </p:pic>
+    </p:spTree>
+    <p:extLst>
+      <p:ext uri="{BB962C8B-B14F-4D97-AF65-F5344CB8AC3E}">
+        <p14:creationId xmlns:p14="http://schemas.microsoft.com/office/powerpoint/2010/main" val="2748590271"/>
+      </p:ext>
+    </p:extLst>
+  </p:cSld>
+  <p:clrMapOvr>
+    <a:masterClrMapping/>
+  </p:clrMapOvr>
+</p:sld>
+</file>
+
+<file path=ppt/slides/slide7.xml><?xml version="1.0" encoding="utf-8"?>
+<p:sld xmlns:a="http://schemas.openxmlformats.org/drawingml/2006/main" xmlns:r="http://schemas.openxmlformats.org/officeDocument/2006/relationships" xmlns:p="http://schemas.openxmlformats.org/presentationml/2006/main">
+  <p:cSld>
+    <p:spTree>
+      <p:nvGrpSpPr>
+        <p:cNvPr id="1" name=""/>
+        <p:cNvGrpSpPr/>
+        <p:nvPr/>
+      </p:nvGrpSpPr>
+      <p:grpSpPr>
+        <a:xfrm>
+          <a:off x="0" y="0"/>
+          <a:ext cx="0" cy="0"/>
+          <a:chOff x="0" y="0"/>
+          <a:chExt cx="0" cy="0"/>
+        </a:xfrm>
+      </p:grpSpPr>
+      <p:sp>
+        <p:nvSpPr>
+          <p:cNvPr id="2" name="Title 1">
+            <a:extLst>
+              <a:ext uri="{FF2B5EF4-FFF2-40B4-BE49-F238E27FC236}">
+                <a16:creationId xmlns:a16="http://schemas.microsoft.com/office/drawing/2014/main" id="{08885E56-9A05-4FE9-94C5-B7BDBA43EDCA}"/>
+              </a:ext>
+            </a:extLst>
+          </p:cNvPr>
+          <p:cNvSpPr>
+            <a:spLocks noGrp="1"/>
+          </p:cNvSpPr>
+          <p:nvPr>
+            <p:ph type="title"/>
+          </p:nvPr>
+        </p:nvSpPr>
+        <p:spPr/>
+        <p:txBody>
+          <a:bodyPr/>
+          <a:lstStyle/>
+          <a:p>
+            <a:r>
+              <a:rPr lang="fr-FR" dirty="0"/>
+              <a:t>Conclusion</a:t>
+            </a:r>
+            <a:endParaRPr lang="en-US" dirty="0"/>
+          </a:p>
+        </p:txBody>
+      </p:sp>
+      <p:sp>
+        <p:nvSpPr>
+          <p:cNvPr id="3" name="Text Placeholder 2">
+            <a:extLst>
+              <a:ext uri="{FF2B5EF4-FFF2-40B4-BE49-F238E27FC236}">
+                <a16:creationId xmlns:a16="http://schemas.microsoft.com/office/drawing/2014/main" id="{62D508F4-27D8-48F2-B642-FF41471DA0EC}"/>
+              </a:ext>
+            </a:extLst>
+          </p:cNvPr>
+          <p:cNvSpPr>
+            <a:spLocks noGrp="1"/>
+          </p:cNvSpPr>
+          <p:nvPr>
+            <p:ph type="body" idx="1"/>
+          </p:nvPr>
+        </p:nvSpPr>
+        <p:spPr/>
+        <p:txBody>
+          <a:bodyPr/>
+          <a:lstStyle/>
+          <a:p>
+            <a:r>
+              <a:rPr lang="fr-FR" dirty="0"/>
+              <a:t>For </a:t>
+            </a:r>
+            <a:r>
+              <a:rPr lang="fr-FR" dirty="0" err="1"/>
+              <a:t>those</a:t>
+            </a:r>
+            <a:r>
+              <a:rPr lang="fr-FR" dirty="0"/>
+              <a:t> </a:t>
+            </a:r>
+            <a:r>
+              <a:rPr lang="fr-FR" dirty="0" err="1"/>
+              <a:t>who’s</a:t>
+            </a:r>
+            <a:r>
+              <a:rPr lang="fr-FR" dirty="0"/>
+              <a:t> are in Tunis </a:t>
+            </a:r>
+            <a:r>
+              <a:rPr lang="fr-FR" dirty="0" err="1"/>
+              <a:t>gouvernment</a:t>
+            </a:r>
+            <a:r>
+              <a:rPr lang="fr-FR" dirty="0"/>
+              <a:t> </a:t>
+            </a:r>
+            <a:r>
+              <a:rPr lang="fr-FR" dirty="0" err="1"/>
+              <a:t>they</a:t>
+            </a:r>
+            <a:r>
+              <a:rPr lang="fr-FR" dirty="0"/>
+              <a:t> have more chances to </a:t>
+            </a:r>
+            <a:r>
+              <a:rPr lang="fr-FR" dirty="0" err="1"/>
+              <a:t>get</a:t>
+            </a:r>
+            <a:r>
+              <a:rPr lang="fr-FR" dirty="0"/>
+              <a:t>  to a coworking </a:t>
+            </a:r>
+            <a:r>
+              <a:rPr lang="fr-FR" dirty="0" err="1"/>
+              <a:t>space</a:t>
+            </a:r>
+            <a:r>
+              <a:rPr lang="fr-FR" dirty="0"/>
+              <a:t>.</a:t>
+            </a:r>
+          </a:p>
+          <a:p>
+            <a:endParaRPr lang="fr-FR" dirty="0"/>
+          </a:p>
+          <a:p>
+            <a:r>
+              <a:rPr lang="fr-FR" dirty="0"/>
+              <a:t>The data </a:t>
+            </a:r>
+            <a:r>
+              <a:rPr lang="fr-FR" dirty="0" err="1"/>
+              <a:t>was</a:t>
+            </a:r>
+            <a:r>
+              <a:rPr lang="fr-FR" dirty="0"/>
+              <a:t> </a:t>
+            </a:r>
+            <a:r>
+              <a:rPr lang="fr-FR" dirty="0" err="1"/>
+              <a:t>very</a:t>
+            </a:r>
+            <a:r>
+              <a:rPr lang="fr-FR" dirty="0"/>
+              <a:t> </a:t>
+            </a:r>
+            <a:r>
+              <a:rPr lang="fr-FR" dirty="0" err="1"/>
+              <a:t>limeted</a:t>
+            </a:r>
+            <a:r>
+              <a:rPr lang="fr-FR" dirty="0"/>
+              <a:t> and </a:t>
+            </a:r>
+            <a:r>
+              <a:rPr lang="fr-FR" dirty="0" err="1"/>
+              <a:t>we</a:t>
+            </a:r>
+            <a:r>
+              <a:rPr lang="fr-FR" dirty="0"/>
+              <a:t> </a:t>
+            </a:r>
+            <a:r>
+              <a:rPr lang="fr-FR" dirty="0" err="1"/>
+              <a:t>need</a:t>
+            </a:r>
+            <a:r>
+              <a:rPr lang="fr-FR" dirty="0"/>
+              <a:t> more data </a:t>
+            </a:r>
+            <a:r>
+              <a:rPr lang="fr-FR" dirty="0" err="1"/>
+              <a:t>so</a:t>
+            </a:r>
+            <a:r>
+              <a:rPr lang="fr-FR" dirty="0"/>
+              <a:t> </a:t>
+            </a:r>
+            <a:r>
+              <a:rPr lang="fr-FR" dirty="0" err="1"/>
+              <a:t>that</a:t>
+            </a:r>
+            <a:r>
+              <a:rPr lang="fr-FR" dirty="0"/>
+              <a:t> </a:t>
+            </a:r>
+            <a:r>
+              <a:rPr lang="fr-FR" dirty="0" err="1"/>
+              <a:t>we</a:t>
+            </a:r>
+            <a:r>
+              <a:rPr lang="fr-FR" dirty="0"/>
+              <a:t> can </a:t>
+            </a:r>
+            <a:r>
+              <a:rPr lang="fr-FR" dirty="0" err="1"/>
+              <a:t>make</a:t>
+            </a:r>
+            <a:r>
+              <a:rPr lang="fr-FR" dirty="0"/>
+              <a:t> </a:t>
+            </a:r>
+            <a:r>
+              <a:rPr lang="fr-FR" dirty="0" err="1"/>
+              <a:t>better</a:t>
+            </a:r>
+            <a:r>
+              <a:rPr lang="fr-FR" dirty="0"/>
+              <a:t> </a:t>
+            </a:r>
+            <a:r>
+              <a:rPr lang="fr-FR" dirty="0" err="1"/>
+              <a:t>anayses</a:t>
+            </a:r>
+            <a:r>
+              <a:rPr lang="fr-FR" dirty="0"/>
+              <a:t> about coworking </a:t>
+            </a:r>
+            <a:r>
+              <a:rPr lang="fr-FR" dirty="0" err="1"/>
+              <a:t>spaces</a:t>
+            </a:r>
+            <a:r>
+              <a:rPr lang="fr-FR" dirty="0"/>
+              <a:t> </a:t>
+            </a:r>
+            <a:r>
+              <a:rPr lang="fr-FR" dirty="0" err="1"/>
+              <a:t>because</a:t>
+            </a:r>
+            <a:r>
+              <a:rPr lang="fr-FR" dirty="0"/>
+              <a:t> in </a:t>
+            </a:r>
+            <a:r>
+              <a:rPr lang="fr-FR" dirty="0" err="1"/>
+              <a:t>origin</a:t>
+            </a:r>
+            <a:r>
+              <a:rPr lang="fr-FR" dirty="0"/>
+              <a:t> </a:t>
+            </a:r>
+            <a:r>
+              <a:rPr lang="fr-FR" dirty="0" err="1"/>
+              <a:t>we</a:t>
+            </a:r>
+            <a:r>
+              <a:rPr lang="fr-FR" dirty="0"/>
+              <a:t> have more </a:t>
+            </a:r>
+            <a:r>
+              <a:rPr lang="fr-FR" dirty="0" err="1"/>
+              <a:t>that</a:t>
+            </a:r>
+            <a:r>
+              <a:rPr lang="fr-FR" dirty="0"/>
+              <a:t> 70 coworking </a:t>
+            </a:r>
+            <a:r>
+              <a:rPr lang="fr-FR" dirty="0" err="1"/>
+              <a:t>spaces</a:t>
+            </a:r>
+            <a:r>
+              <a:rPr lang="fr-FR" dirty="0"/>
+              <a:t> </a:t>
+            </a:r>
+            <a:r>
+              <a:rPr lang="fr-FR" dirty="0" err="1"/>
+              <a:t>based</a:t>
+            </a:r>
+            <a:r>
+              <a:rPr lang="fr-FR" dirty="0"/>
+              <a:t> in </a:t>
+            </a:r>
+            <a:r>
+              <a:rPr lang="fr-FR" dirty="0" err="1"/>
+              <a:t>this</a:t>
+            </a:r>
+            <a:r>
+              <a:rPr lang="fr-FR" dirty="0"/>
+              <a:t> country </a:t>
+            </a:r>
+            <a:r>
+              <a:rPr lang="fr-FR" dirty="0" err="1"/>
+              <a:t>wut</a:t>
+            </a:r>
+            <a:r>
+              <a:rPr lang="fr-FR" dirty="0"/>
+              <a:t> </a:t>
+            </a:r>
+            <a:r>
+              <a:rPr lang="fr-FR" dirty="0" err="1"/>
+              <a:t>we</a:t>
+            </a:r>
+            <a:r>
+              <a:rPr lang="fr-FR" dirty="0"/>
+              <a:t> have </a:t>
+            </a:r>
+            <a:r>
+              <a:rPr lang="fr-FR" dirty="0" err="1"/>
+              <a:t>found</a:t>
+            </a:r>
+            <a:r>
+              <a:rPr lang="fr-FR" dirty="0"/>
+              <a:t> </a:t>
+            </a:r>
+            <a:r>
+              <a:rPr lang="fr-FR" dirty="0" err="1"/>
+              <a:t>only</a:t>
+            </a:r>
+            <a:r>
+              <a:rPr lang="fr-FR" dirty="0"/>
+              <a:t> 7 coworking ( </a:t>
+            </a:r>
+            <a:r>
+              <a:rPr lang="fr-FR" dirty="0" err="1"/>
+              <a:t>less</a:t>
+            </a:r>
+            <a:r>
+              <a:rPr lang="fr-FR" dirty="0"/>
+              <a:t> </a:t>
+            </a:r>
+            <a:r>
+              <a:rPr lang="fr-FR" dirty="0" err="1"/>
+              <a:t>then</a:t>
+            </a:r>
+            <a:r>
+              <a:rPr lang="fr-FR" dirty="0"/>
+              <a:t> 10%)</a:t>
+            </a:r>
+            <a:endParaRPr lang="en-US" dirty="0"/>
+          </a:p>
+        </p:txBody>
+      </p:sp>
+    </p:spTree>
+    <p:extLst>
+      <p:ext uri="{BB962C8B-B14F-4D97-AF65-F5344CB8AC3E}">
+        <p14:creationId xmlns:p14="http://schemas.microsoft.com/office/powerpoint/2010/main" val="1569503837"/>
+      </p:ext>
+    </p:extLst>
+  </p:cSld>
+  <p:clrMapOvr>
+    <a:masterClrMapping/>
+  </p:clrMapOvr>
+</p:sld>
+</file>
+
+<file path=ppt/slides/slide8.xml><?xml version="1.0" encoding="utf-8"?>
+<p:sld xmlns:a="http://schemas.openxmlformats.org/drawingml/2006/main" xmlns:r="http://schemas.openxmlformats.org/officeDocument/2006/relationships" xmlns:p="http://schemas.openxmlformats.org/presentationml/2006/main">
+  <p:cSld>
+    <p:spTree>
+      <p:nvGrpSpPr>
         <p:cNvPr id="1" name="Shape 90"/>
         <p:cNvGrpSpPr/>
         <p:nvPr/>
@@ -7647,7 +8387,7 @@
               <a:t>atplotlib</a:t>
             </a:r>
             <a:r>
-              <a:rPr lang="en-US"/>
+              <a:rPr lang="en-US" dirty="0"/>
               <a:t> documentation: https://matplotlib.org/</a:t>
             </a:r>
             <a:endParaRPr lang="fr-FR" dirty="0"/>

--- a/Capstone-Project-Report.pptx
+++ b/Capstone-Project-Report.pptx
@@ -5873,7 +5873,7 @@
             </a:r>
             <a:r>
               <a:rPr lang="en-US" sz="3200" dirty="0"/>
-              <a:t>: Capstone Project - A recommendation system for coworking spaces in Tunisia (week 1)</a:t>
+              <a:t>: Capstone Project - A recommendation system for coworking spaces in Tunisia (week 2)</a:t>
             </a:r>
             <a:endParaRPr sz="3200" dirty="0"/>
           </a:p>
@@ -5927,7 +5927,7 @@
                   <a:schemeClr val="tx1"/>
                 </a:solidFill>
               </a:rPr>
-              <a:t>: 20/02/2019</a:t>
+              <a:t>: 21/02/2019</a:t>
             </a:r>
             <a:endParaRPr dirty="0">
               <a:solidFill>
